--- a/Presentations/FormalPresentation_11-1-2017.pptx
+++ b/Presentations/FormalPresentation_11-1-2017.pptx
@@ -9,10 +9,8 @@
     <p:sldId id="257" r:id="rId3"/>
     <p:sldId id="258" r:id="rId4"/>
     <p:sldId id="259" r:id="rId5"/>
-    <p:sldId id="260" r:id="rId6"/>
-    <p:sldId id="261" r:id="rId7"/>
-    <p:sldId id="262" r:id="rId8"/>
-    <p:sldId id="263" r:id="rId9"/>
+    <p:sldId id="262" r:id="rId6"/>
+    <p:sldId id="264" r:id="rId7"/>
   </p:sldIdLst>
   <p:sldSz cx="9144000" cy="6858000" type="screen4x3"/>
   <p:notesSz cx="6858000" cy="9144000"/>
@@ -111,7 +109,27 @@
       </a:defRPr>
     </a:lvl9pPr>
   </p:defaultTextStyle>
+  <p:extLst>
+    <p:ext uri="{EFAFB233-063F-42B5-8137-9DF3F51BA10A}">
+      <p15:sldGuideLst xmlns:p15="http://schemas.microsoft.com/office/powerpoint/2012/main">
+        <p15:guide id="1" orient="horz" pos="2160">
+          <p15:clr>
+            <a:srgbClr val="A4A3A4"/>
+          </p15:clr>
+        </p15:guide>
+        <p15:guide id="2" pos="2880">
+          <p15:clr>
+            <a:srgbClr val="A4A3A4"/>
+          </p15:clr>
+        </p15:guide>
+      </p15:sldGuideLst>
+    </p:ext>
+  </p:extLst>
 </p:presentation>
+</file>
+
+<file path=ppt/revisionInfo.xml><?xml version="1.0" encoding="utf-8"?>
+<p1510:revInfo xmlns:a="http://schemas.openxmlformats.org/drawingml/2006/main" xmlns:r="http://schemas.openxmlformats.org/officeDocument/2006/relationships" xmlns:p1510="http://schemas.microsoft.com/office/powerpoint/2015/10/main"/>
 </file>
 
 <file path=ppt/slideLayouts/slideLayout1.xml><?xml version="1.0" encoding="utf-8"?>
@@ -158,10 +176,9 @@
           </a:lstStyle>
           <a:p>
             <a:r>
-              <a:rPr lang="en-US" smtClean="0"/>
+              <a:rPr lang="en-US"/>
               <a:t>Click to edit Master title style</a:t>
             </a:r>
-            <a:endParaRPr lang="en-US"/>
           </a:p>
         </p:txBody>
       </p:sp>
@@ -277,7 +294,7 @@
           </a:lstStyle>
           <a:p>
             <a:r>
-              <a:rPr lang="en-US" smtClean="0"/>
+              <a:rPr lang="en-US"/>
               <a:t>Click to edit Master subtitle style</a:t>
             </a:r>
             <a:endParaRPr lang="en-US" dirty="0"/>
@@ -301,7 +318,7 @@
           <a:p>
             <a:fld id="{51B33532-9F64-4937-87F4-CC9675263DB4}" type="datetimeFigureOut">
               <a:rPr lang="en-US" smtClean="0"/>
-              <a:t>11/1/2017</a:t>
+              <a:t>11/15/2017</a:t>
             </a:fld>
             <a:endParaRPr lang="en-US"/>
           </a:p>
@@ -390,10 +407,9 @@
           <a:lstStyle/>
           <a:p>
             <a:r>
-              <a:rPr lang="en-US" smtClean="0"/>
+              <a:rPr lang="en-US"/>
               <a:t>Click to edit Master title style</a:t>
             </a:r>
-            <a:endParaRPr lang="en-US"/>
           </a:p>
         </p:txBody>
       </p:sp>
@@ -414,38 +430,37 @@
           <a:p>
             <a:pPr lvl="0"/>
             <a:r>
-              <a:rPr lang="en-US" smtClean="0"/>
+              <a:rPr lang="en-US"/>
               <a:t>Click to edit Master text styles</a:t>
             </a:r>
           </a:p>
           <a:p>
             <a:pPr lvl="1"/>
             <a:r>
-              <a:rPr lang="en-US" smtClean="0"/>
+              <a:rPr lang="en-US"/>
               <a:t>Second level</a:t>
             </a:r>
           </a:p>
           <a:p>
             <a:pPr lvl="2"/>
             <a:r>
-              <a:rPr lang="en-US" smtClean="0"/>
+              <a:rPr lang="en-US"/>
               <a:t>Third level</a:t>
             </a:r>
           </a:p>
           <a:p>
             <a:pPr lvl="3"/>
             <a:r>
-              <a:rPr lang="en-US" smtClean="0"/>
+              <a:rPr lang="en-US"/>
               <a:t>Fourth level</a:t>
             </a:r>
           </a:p>
           <a:p>
             <a:pPr lvl="4"/>
             <a:r>
-              <a:rPr lang="en-US" smtClean="0"/>
+              <a:rPr lang="en-US"/>
               <a:t>Fifth level</a:t>
             </a:r>
-            <a:endParaRPr lang="en-US"/>
           </a:p>
         </p:txBody>
       </p:sp>
@@ -466,7 +481,7 @@
           <a:p>
             <a:fld id="{51B33532-9F64-4937-87F4-CC9675263DB4}" type="datetimeFigureOut">
               <a:rPr lang="en-US" smtClean="0"/>
-              <a:t>11/1/2017</a:t>
+              <a:t>11/15/2017</a:t>
             </a:fld>
             <a:endParaRPr lang="en-US"/>
           </a:p>
@@ -560,10 +575,9 @@
           <a:lstStyle/>
           <a:p>
             <a:r>
-              <a:rPr lang="en-US" smtClean="0"/>
+              <a:rPr lang="en-US"/>
               <a:t>Click to edit Master title style</a:t>
             </a:r>
-            <a:endParaRPr lang="en-US"/>
           </a:p>
         </p:txBody>
       </p:sp>
@@ -589,38 +603,37 @@
           <a:p>
             <a:pPr lvl="0"/>
             <a:r>
-              <a:rPr lang="en-US" smtClean="0"/>
+              <a:rPr lang="en-US"/>
               <a:t>Click to edit Master text styles</a:t>
             </a:r>
           </a:p>
           <a:p>
             <a:pPr lvl="1"/>
             <a:r>
-              <a:rPr lang="en-US" smtClean="0"/>
+              <a:rPr lang="en-US"/>
               <a:t>Second level</a:t>
             </a:r>
           </a:p>
           <a:p>
             <a:pPr lvl="2"/>
             <a:r>
-              <a:rPr lang="en-US" smtClean="0"/>
+              <a:rPr lang="en-US"/>
               <a:t>Third level</a:t>
             </a:r>
           </a:p>
           <a:p>
             <a:pPr lvl="3"/>
             <a:r>
-              <a:rPr lang="en-US" smtClean="0"/>
+              <a:rPr lang="en-US"/>
               <a:t>Fourth level</a:t>
             </a:r>
           </a:p>
           <a:p>
             <a:pPr lvl="4"/>
             <a:r>
-              <a:rPr lang="en-US" smtClean="0"/>
+              <a:rPr lang="en-US"/>
               <a:t>Fifth level</a:t>
             </a:r>
-            <a:endParaRPr lang="en-US"/>
           </a:p>
         </p:txBody>
       </p:sp>
@@ -641,7 +654,7 @@
           <a:p>
             <a:fld id="{51B33532-9F64-4937-87F4-CC9675263DB4}" type="datetimeFigureOut">
               <a:rPr lang="en-US" smtClean="0"/>
-              <a:t>11/1/2017</a:t>
+              <a:t>11/15/2017</a:t>
             </a:fld>
             <a:endParaRPr lang="en-US"/>
           </a:p>
@@ -730,10 +743,9 @@
           <a:lstStyle/>
           <a:p>
             <a:r>
-              <a:rPr lang="en-US" smtClean="0"/>
+              <a:rPr lang="en-US"/>
               <a:t>Click to edit Master title style</a:t>
             </a:r>
-            <a:endParaRPr lang="en-US"/>
           </a:p>
         </p:txBody>
       </p:sp>
@@ -754,35 +766,35 @@
           <a:p>
             <a:pPr lvl="0"/>
             <a:r>
-              <a:rPr lang="en-US" smtClean="0"/>
+              <a:rPr lang="en-US"/>
               <a:t>Click to edit Master text styles</a:t>
             </a:r>
           </a:p>
           <a:p>
             <a:pPr lvl="1"/>
             <a:r>
-              <a:rPr lang="en-US" smtClean="0"/>
+              <a:rPr lang="en-US"/>
               <a:t>Second level</a:t>
             </a:r>
           </a:p>
           <a:p>
             <a:pPr lvl="2"/>
             <a:r>
-              <a:rPr lang="en-US" smtClean="0"/>
+              <a:rPr lang="en-US"/>
               <a:t>Third level</a:t>
             </a:r>
           </a:p>
           <a:p>
             <a:pPr lvl="3"/>
             <a:r>
-              <a:rPr lang="en-US" smtClean="0"/>
+              <a:rPr lang="en-US"/>
               <a:t>Fourth level</a:t>
             </a:r>
           </a:p>
           <a:p>
             <a:pPr lvl="4"/>
             <a:r>
-              <a:rPr lang="en-US" smtClean="0"/>
+              <a:rPr lang="en-US"/>
               <a:t>Fifth level</a:t>
             </a:r>
             <a:endParaRPr lang="en-US" dirty="0"/>
@@ -806,7 +818,7 @@
           <a:p>
             <a:fld id="{51B33532-9F64-4937-87F4-CC9675263DB4}" type="datetimeFigureOut">
               <a:rPr lang="en-US" smtClean="0"/>
-              <a:t>11/1/2017</a:t>
+              <a:t>11/15/2017</a:t>
             </a:fld>
             <a:endParaRPr lang="en-US"/>
           </a:p>
@@ -904,10 +916,9 @@
           </a:lstStyle>
           <a:p>
             <a:r>
-              <a:rPr lang="en-US" smtClean="0"/>
+              <a:rPr lang="en-US"/>
               <a:t>Click to edit Master title style</a:t>
             </a:r>
-            <a:endParaRPr lang="en-US"/>
           </a:p>
         </p:txBody>
       </p:sp>
@@ -1022,7 +1033,7 @@
           <a:p>
             <a:pPr lvl="0"/>
             <a:r>
-              <a:rPr lang="en-US" smtClean="0"/>
+              <a:rPr lang="en-US"/>
               <a:t>Click to edit Master text styles</a:t>
             </a:r>
           </a:p>
@@ -1045,7 +1056,7 @@
           <a:p>
             <a:fld id="{51B33532-9F64-4937-87F4-CC9675263DB4}" type="datetimeFigureOut">
               <a:rPr lang="en-US" smtClean="0"/>
-              <a:t>11/1/2017</a:t>
+              <a:t>11/15/2017</a:t>
             </a:fld>
             <a:endParaRPr lang="en-US"/>
           </a:p>
@@ -1135,7 +1146,7 @@
           <a:p>
             <a:fld id="{51B33532-9F64-4937-87F4-CC9675263DB4}" type="datetimeFigureOut">
               <a:rPr lang="en-US" smtClean="0"/>
-              <a:t>11/1/2017</a:t>
+              <a:t>11/15/2017</a:t>
             </a:fld>
             <a:endParaRPr lang="en-US"/>
           </a:p>
@@ -1204,10 +1215,9 @@
           <a:lstStyle/>
           <a:p>
             <a:r>
-              <a:rPr lang="en-US" smtClean="0"/>
+              <a:rPr lang="en-US"/>
               <a:t>Click to edit Master title style</a:t>
             </a:r>
-            <a:endParaRPr lang="en-US"/>
           </a:p>
         </p:txBody>
       </p:sp>
@@ -1233,38 +1243,37 @@
           <a:p>
             <a:pPr lvl="0"/>
             <a:r>
-              <a:rPr lang="en-US" smtClean="0"/>
+              <a:rPr lang="en-US"/>
               <a:t>Click to edit Master text styles</a:t>
             </a:r>
           </a:p>
           <a:p>
             <a:pPr lvl="1"/>
             <a:r>
-              <a:rPr lang="en-US" smtClean="0"/>
+              <a:rPr lang="en-US"/>
               <a:t>Second level</a:t>
             </a:r>
           </a:p>
           <a:p>
             <a:pPr lvl="2"/>
             <a:r>
-              <a:rPr lang="en-US" smtClean="0"/>
+              <a:rPr lang="en-US"/>
               <a:t>Third level</a:t>
             </a:r>
           </a:p>
           <a:p>
             <a:pPr lvl="3"/>
             <a:r>
-              <a:rPr lang="en-US" smtClean="0"/>
+              <a:rPr lang="en-US"/>
               <a:t>Fourth level</a:t>
             </a:r>
           </a:p>
           <a:p>
             <a:pPr lvl="4"/>
             <a:r>
-              <a:rPr lang="en-US" smtClean="0"/>
+              <a:rPr lang="en-US"/>
               <a:t>Fifth level</a:t>
             </a:r>
-            <a:endParaRPr lang="en-US"/>
           </a:p>
         </p:txBody>
       </p:sp>
@@ -1290,38 +1299,37 @@
           <a:p>
             <a:pPr lvl="0"/>
             <a:r>
-              <a:rPr lang="en-US" smtClean="0"/>
+              <a:rPr lang="en-US"/>
               <a:t>Click to edit Master text styles</a:t>
             </a:r>
           </a:p>
           <a:p>
             <a:pPr lvl="1"/>
             <a:r>
-              <a:rPr lang="en-US" smtClean="0"/>
+              <a:rPr lang="en-US"/>
               <a:t>Second level</a:t>
             </a:r>
           </a:p>
           <a:p>
             <a:pPr lvl="2"/>
             <a:r>
-              <a:rPr lang="en-US" smtClean="0"/>
+              <a:rPr lang="en-US"/>
               <a:t>Third level</a:t>
             </a:r>
           </a:p>
           <a:p>
             <a:pPr lvl="3"/>
             <a:r>
-              <a:rPr lang="en-US" smtClean="0"/>
+              <a:rPr lang="en-US"/>
               <a:t>Fourth level</a:t>
             </a:r>
           </a:p>
           <a:p>
             <a:pPr lvl="4"/>
             <a:r>
-              <a:rPr lang="en-US" smtClean="0"/>
+              <a:rPr lang="en-US"/>
               <a:t>Fifth level</a:t>
             </a:r>
-            <a:endParaRPr lang="en-US"/>
           </a:p>
         </p:txBody>
       </p:sp>
@@ -1415,7 +1423,7 @@
           <a:p>
             <a:pPr lvl="0"/>
             <a:r>
-              <a:rPr lang="en-US" smtClean="0"/>
+              <a:rPr lang="en-US"/>
               <a:t>Click to edit Master text styles</a:t>
             </a:r>
           </a:p>
@@ -1486,7 +1494,7 @@
           <a:p>
             <a:pPr lvl="0"/>
             <a:r>
-              <a:rPr lang="en-US" smtClean="0"/>
+              <a:rPr lang="en-US"/>
               <a:t>Click to edit Master text styles</a:t>
             </a:r>
           </a:p>
@@ -1509,7 +1517,7 @@
           <a:p>
             <a:fld id="{51B33532-9F64-4937-87F4-CC9675263DB4}" type="datetimeFigureOut">
               <a:rPr lang="en-US" smtClean="0"/>
-              <a:t>11/1/2017</a:t>
+              <a:t>11/15/2017</a:t>
             </a:fld>
             <a:endParaRPr lang="en-US"/>
           </a:p>
@@ -1578,7 +1586,7 @@
           <a:lstStyle/>
           <a:p>
             <a:r>
-              <a:rPr lang="en-US" smtClean="0"/>
+              <a:rPr lang="en-US"/>
               <a:t>Click to edit Master title style</a:t>
             </a:r>
             <a:endParaRPr lang="en-US" dirty="0"/>
@@ -1607,35 +1615,35 @@
           <a:p>
             <a:pPr lvl="0"/>
             <a:r>
-              <a:rPr lang="en-US" smtClean="0"/>
+              <a:rPr lang="en-US"/>
               <a:t>Click to edit Master text styles</a:t>
             </a:r>
           </a:p>
           <a:p>
             <a:pPr lvl="1"/>
             <a:r>
-              <a:rPr lang="en-US" smtClean="0"/>
+              <a:rPr lang="en-US"/>
               <a:t>Second level</a:t>
             </a:r>
           </a:p>
           <a:p>
             <a:pPr lvl="2"/>
             <a:r>
-              <a:rPr lang="en-US" smtClean="0"/>
+              <a:rPr lang="en-US"/>
               <a:t>Third level</a:t>
             </a:r>
           </a:p>
           <a:p>
             <a:pPr lvl="3"/>
             <a:r>
-              <a:rPr lang="en-US" smtClean="0"/>
+              <a:rPr lang="en-US"/>
               <a:t>Fourth level</a:t>
             </a:r>
           </a:p>
           <a:p>
             <a:pPr lvl="4"/>
             <a:r>
-              <a:rPr lang="en-US" smtClean="0"/>
+              <a:rPr lang="en-US"/>
               <a:t>Fifth level</a:t>
             </a:r>
             <a:endParaRPr lang="en-US" dirty="0"/>
@@ -1664,35 +1672,35 @@
           <a:p>
             <a:pPr lvl="0"/>
             <a:r>
-              <a:rPr lang="en-US" smtClean="0"/>
+              <a:rPr lang="en-US"/>
               <a:t>Click to edit Master text styles</a:t>
             </a:r>
           </a:p>
           <a:p>
             <a:pPr lvl="1"/>
             <a:r>
-              <a:rPr lang="en-US" smtClean="0"/>
+              <a:rPr lang="en-US"/>
               <a:t>Second level</a:t>
             </a:r>
           </a:p>
           <a:p>
             <a:pPr lvl="2"/>
             <a:r>
-              <a:rPr lang="en-US" smtClean="0"/>
+              <a:rPr lang="en-US"/>
               <a:t>Third level</a:t>
             </a:r>
           </a:p>
           <a:p>
             <a:pPr lvl="3"/>
             <a:r>
-              <a:rPr lang="en-US" smtClean="0"/>
+              <a:rPr lang="en-US"/>
               <a:t>Fourth level</a:t>
             </a:r>
           </a:p>
           <a:p>
             <a:pPr lvl="4"/>
             <a:r>
-              <a:rPr lang="en-US" smtClean="0"/>
+              <a:rPr lang="en-US"/>
               <a:t>Fifth level</a:t>
             </a:r>
             <a:endParaRPr lang="en-US" dirty="0"/>
@@ -1740,10 +1748,9 @@
           <a:lstStyle/>
           <a:p>
             <a:r>
-              <a:rPr lang="en-US" smtClean="0"/>
+              <a:rPr lang="en-US"/>
               <a:t>Click to edit Master title style</a:t>
             </a:r>
-            <a:endParaRPr lang="en-US"/>
           </a:p>
         </p:txBody>
       </p:sp>
@@ -1764,7 +1771,7 @@
           <a:p>
             <a:fld id="{51B33532-9F64-4937-87F4-CC9675263DB4}" type="datetimeFigureOut">
               <a:rPr lang="en-US" smtClean="0"/>
-              <a:t>11/1/2017</a:t>
+              <a:t>11/15/2017</a:t>
             </a:fld>
             <a:endParaRPr lang="en-US"/>
           </a:p>
@@ -1854,7 +1861,7 @@
           <a:p>
             <a:fld id="{51B33532-9F64-4937-87F4-CC9675263DB4}" type="datetimeFigureOut">
               <a:rPr lang="en-US" smtClean="0"/>
-              <a:t>11/1/2017</a:t>
+              <a:t>11/15/2017</a:t>
             </a:fld>
             <a:endParaRPr lang="en-US"/>
           </a:p>
@@ -1954,7 +1961,7 @@
           </a:lstStyle>
           <a:p>
             <a:r>
-              <a:rPr lang="en-US" smtClean="0"/>
+              <a:rPr lang="en-US"/>
               <a:t>Click to edit Master title style</a:t>
             </a:r>
             <a:endParaRPr lang="en-US" dirty="0"/>
@@ -2011,35 +2018,35 @@
           <a:p>
             <a:pPr lvl="0"/>
             <a:r>
-              <a:rPr lang="en-US" smtClean="0"/>
+              <a:rPr lang="en-US"/>
               <a:t>Click to edit Master text styles</a:t>
             </a:r>
           </a:p>
           <a:p>
             <a:pPr lvl="1"/>
             <a:r>
-              <a:rPr lang="en-US" smtClean="0"/>
+              <a:rPr lang="en-US"/>
               <a:t>Second level</a:t>
             </a:r>
           </a:p>
           <a:p>
             <a:pPr lvl="2"/>
             <a:r>
-              <a:rPr lang="en-US" smtClean="0"/>
+              <a:rPr lang="en-US"/>
               <a:t>Third level</a:t>
             </a:r>
           </a:p>
           <a:p>
             <a:pPr lvl="3"/>
             <a:r>
-              <a:rPr lang="en-US" smtClean="0"/>
+              <a:rPr lang="en-US"/>
               <a:t>Fourth level</a:t>
             </a:r>
           </a:p>
           <a:p>
             <a:pPr lvl="4"/>
             <a:r>
-              <a:rPr lang="en-US" smtClean="0"/>
+              <a:rPr lang="en-US"/>
               <a:t>Fifth level</a:t>
             </a:r>
             <a:endParaRPr lang="en-US" dirty="0"/>
@@ -2105,7 +2112,7 @@
           <a:p>
             <a:pPr lvl="0"/>
             <a:r>
-              <a:rPr lang="en-US" smtClean="0"/>
+              <a:rPr lang="en-US"/>
               <a:t>Click to edit Master text styles</a:t>
             </a:r>
           </a:p>
@@ -2128,7 +2135,7 @@
           <a:p>
             <a:fld id="{51B33532-9F64-4937-87F4-CC9675263DB4}" type="datetimeFigureOut">
               <a:rPr lang="en-US" smtClean="0"/>
-              <a:t>11/1/2017</a:t>
+              <a:t>11/15/2017</a:t>
             </a:fld>
             <a:endParaRPr lang="en-US"/>
           </a:p>
@@ -2228,7 +2235,7 @@
           </a:lstStyle>
           <a:p>
             <a:r>
-              <a:rPr lang="en-US" smtClean="0"/>
+              <a:rPr lang="en-US"/>
               <a:t>Click to edit Master title style</a:t>
             </a:r>
             <a:endParaRPr lang="en-US" dirty="0"/>
@@ -2311,7 +2318,7 @@
           </a:lstStyle>
           <a:p>
             <a:r>
-              <a:rPr lang="en-US" smtClean="0"/>
+              <a:rPr lang="en-US"/>
               <a:t>Click icon to add picture</a:t>
             </a:r>
             <a:endParaRPr lang="en-US" dirty="0"/>
@@ -2377,7 +2384,7 @@
           <a:p>
             <a:pPr lvl="0"/>
             <a:r>
-              <a:rPr lang="en-US" smtClean="0"/>
+              <a:rPr lang="en-US"/>
               <a:t>Click to edit Master text styles</a:t>
             </a:r>
           </a:p>
@@ -2400,7 +2407,7 @@
           <a:p>
             <a:fld id="{51B33532-9F64-4937-87F4-CC9675263DB4}" type="datetimeFigureOut">
               <a:rPr lang="en-US" smtClean="0"/>
-              <a:t>11/1/2017</a:t>
+              <a:t>11/15/2017</a:t>
             </a:fld>
             <a:endParaRPr lang="en-US"/>
           </a:p>
@@ -2596,7 +2603,7 @@
           <a:lstStyle/>
           <a:p>
             <a:r>
-              <a:rPr lang="en-US" smtClean="0"/>
+              <a:rPr lang="en-US"/>
               <a:t>Click to edit Master title style</a:t>
             </a:r>
             <a:endParaRPr lang="en-US" dirty="0"/>
@@ -2630,38 +2637,38 @@
           <a:p>
             <a:pPr lvl="0"/>
             <a:r>
-              <a:rPr lang="en-US" smtClean="0"/>
+              <a:rPr lang="en-US"/>
               <a:t>Click to edit Master text styles</a:t>
             </a:r>
           </a:p>
           <a:p>
             <a:pPr lvl="1"/>
             <a:r>
-              <a:rPr lang="en-US" smtClean="0"/>
+              <a:rPr lang="en-US"/>
               <a:t>Second level</a:t>
             </a:r>
           </a:p>
           <a:p>
             <a:pPr lvl="2"/>
             <a:r>
-              <a:rPr lang="en-US" smtClean="0"/>
+              <a:rPr lang="en-US"/>
               <a:t>Third level</a:t>
             </a:r>
           </a:p>
           <a:p>
             <a:pPr lvl="3"/>
             <a:r>
-              <a:rPr lang="en-US" smtClean="0"/>
+              <a:rPr lang="en-US"/>
               <a:t>Fourth level</a:t>
             </a:r>
           </a:p>
           <a:p>
             <a:pPr lvl="4"/>
             <a:r>
-              <a:rPr lang="en-US" smtClean="0"/>
+              <a:rPr lang="en-US"/>
               <a:t>Fifth level</a:t>
             </a:r>
-            <a:endParaRPr lang="en-US" dirty="0" smtClean="0"/>
+            <a:endParaRPr lang="en-US" dirty="0"/>
           </a:p>
         </p:txBody>
       </p:sp>
@@ -2700,7 +2707,7 @@
           <a:p>
             <a:fld id="{51B33532-9F64-4937-87F4-CC9675263DB4}" type="datetimeFigureOut">
               <a:rPr lang="en-US" smtClean="0"/>
-              <a:t>11/1/2017</a:t>
+              <a:t>11/15/2017</a:t>
             </a:fld>
             <a:endParaRPr lang="en-US"/>
           </a:p>
@@ -3165,10 +3172,9 @@
           <a:lstStyle/>
           <a:p>
             <a:r>
-              <a:rPr lang="en-US" dirty="0" smtClean="0"/>
+              <a:rPr lang="en-US" dirty="0"/>
               <a:t>Kairos VR</a:t>
             </a:r>
-            <a:endParaRPr lang="en-US" dirty="0"/>
           </a:p>
         </p:txBody>
       </p:sp>
@@ -3188,13 +3194,13 @@
           <a:lstStyle/>
           <a:p>
             <a:r>
-              <a:rPr lang="en-US" dirty="0" smtClean="0"/>
+              <a:rPr lang="en-US" dirty="0"/>
               <a:t>Jonathan Oates</a:t>
             </a:r>
           </a:p>
           <a:p>
             <a:r>
-              <a:rPr lang="en-US" dirty="0" smtClean="0"/>
+              <a:rPr lang="en-US" dirty="0"/>
               <a:t>Kaitlin Dell</a:t>
             </a:r>
           </a:p>
@@ -3210,13 +3216,6 @@
   <p:clrMapOvr>
     <a:masterClrMapping/>
   </p:clrMapOvr>
-  <p:timing>
-    <p:tnLst>
-      <p:par>
-        <p:cTn id="1" dur="indefinite" restart="never" nodeType="tmRoot"/>
-      </p:par>
-    </p:tnLst>
-  </p:timing>
 </p:sld>
 </file>
 
@@ -3255,80 +3254,51 @@
           <a:lstStyle/>
           <a:p>
             <a:r>
-              <a:rPr lang="en-US" dirty="0" smtClean="0"/>
+              <a:rPr lang="en-US" dirty="0"/>
               <a:t>General Description</a:t>
             </a:r>
+          </a:p>
+        </p:txBody>
+      </p:sp>
+      <p:sp>
+        <p:nvSpPr>
+          <p:cNvPr id="3" name="Content Placeholder 2"/>
+          <p:cNvSpPr>
+            <a:spLocks noGrp="1"/>
+          </p:cNvSpPr>
+          <p:nvPr>
+            <p:ph idx="1"/>
+          </p:nvPr>
+        </p:nvSpPr>
+        <p:spPr/>
+        <p:txBody>
+          <a:bodyPr/>
+          <a:lstStyle/>
+          <a:p>
+            <a:pPr marL="45720" indent="0">
+              <a:buNone/>
+            </a:pPr>
+            <a:r>
+              <a:rPr lang="en-US" dirty="0"/>
+              <a:t>Strategic space-combat game in which you control your ship via a holographic display in front of you. The primary focus is on out-maneuvering and outwitting your opponents.</a:t>
+            </a:r>
+          </a:p>
+          <a:p>
+            <a:pPr marL="45720" indent="0">
+              <a:buNone/>
+            </a:pPr>
             <a:endParaRPr lang="en-US" dirty="0"/>
           </a:p>
-        </p:txBody>
-      </p:sp>
-      <p:sp>
-        <p:nvSpPr>
-          <p:cNvPr id="3" name="Content Placeholder 2"/>
-          <p:cNvSpPr>
-            <a:spLocks noGrp="1"/>
-          </p:cNvSpPr>
-          <p:nvPr>
-            <p:ph idx="1"/>
-          </p:nvPr>
-        </p:nvSpPr>
-        <p:spPr/>
-        <p:txBody>
-          <a:bodyPr/>
-          <a:lstStyle/>
-          <a:p>
-            <a:pPr marL="45720" indent="0">
-              <a:buNone/>
-            </a:pPr>
+          <a:p>
             <a:r>
               <a:rPr lang="en-US" dirty="0"/>
-              <a:t>S</a:t>
-            </a:r>
-            <a:r>
-              <a:rPr lang="en-US" dirty="0" smtClean="0"/>
-              <a:t>trategic </a:t>
-            </a:r>
+              <a:t>Holographic table in front of you (effectively top-down)</a:t>
+            </a:r>
+          </a:p>
+          <a:p>
             <a:r>
               <a:rPr lang="en-US" dirty="0"/>
-              <a:t>space-combat game in which </a:t>
-            </a:r>
-            <a:r>
-              <a:rPr lang="en-US" dirty="0" smtClean="0"/>
-              <a:t>you control </a:t>
-            </a:r>
-            <a:r>
-              <a:rPr lang="en-US" dirty="0"/>
-              <a:t>your ship via a holographic display in front of you. The primary focus is on out-maneuvering and outwitting your opponents</a:t>
-            </a:r>
-            <a:r>
-              <a:rPr lang="en-US" dirty="0" smtClean="0"/>
-              <a:t>.</a:t>
-            </a:r>
-          </a:p>
-          <a:p>
-            <a:pPr marL="45720" indent="0">
-              <a:buNone/>
-            </a:pPr>
-            <a:endParaRPr lang="en-US" dirty="0" smtClean="0"/>
-          </a:p>
-          <a:p>
-            <a:r>
-              <a:rPr lang="en-US" dirty="0"/>
-              <a:t>Holographic table in front of you (effectively top-down</a:t>
-            </a:r>
-            <a:r>
-              <a:rPr lang="en-US" dirty="0" smtClean="0"/>
-              <a:t>)</a:t>
-            </a:r>
-          </a:p>
-          <a:p>
-            <a:r>
-              <a:rPr lang="en-US" dirty="0"/>
-              <a:t>Spacey controls (conservation of momentum, etc</a:t>
-            </a:r>
-            <a:r>
-              <a:rPr lang="en-US" dirty="0" smtClean="0"/>
-              <a:t>.)</a:t>
+              <a:t>Spacey controls (conservation of momentum, etc.)</a:t>
             </a:r>
           </a:p>
           <a:p>
@@ -3336,7 +3306,6 @@
               <a:rPr lang="en-US" dirty="0"/>
               <a:t>Can freeze time in order to plan attacks and maneuvers</a:t>
             </a:r>
-            <a:endParaRPr lang="en-US" dirty="0"/>
           </a:p>
         </p:txBody>
       </p:sp>
@@ -3350,13 +3319,6 @@
   <p:clrMapOvr>
     <a:masterClrMapping/>
   </p:clrMapOvr>
-  <p:timing>
-    <p:tnLst>
-      <p:par>
-        <p:cTn id="1" dur="indefinite" restart="never" nodeType="tmRoot"/>
-      </p:par>
-    </p:tnLst>
-  </p:timing>
 </p:sld>
 </file>
 
@@ -3393,79 +3355,76 @@
           <a:lstStyle/>
           <a:p>
             <a:r>
-              <a:rPr lang="en-US" dirty="0" smtClean="0"/>
+              <a:rPr lang="en-US" dirty="0"/>
               <a:t>Basic Mechanics</a:t>
             </a:r>
+          </a:p>
+        </p:txBody>
+      </p:sp>
+      <p:sp>
+        <p:nvSpPr>
+          <p:cNvPr id="3" name="Content Placeholder 2"/>
+          <p:cNvSpPr>
+            <a:spLocks noGrp="1"/>
+          </p:cNvSpPr>
+          <p:nvPr>
+            <p:ph idx="1"/>
+          </p:nvPr>
+        </p:nvSpPr>
+        <p:spPr/>
+        <p:txBody>
+          <a:bodyPr/>
+          <a:lstStyle/>
+          <a:p>
+            <a:r>
+              <a:rPr lang="en-US" dirty="0"/>
+              <a:t>Flight Controls</a:t>
+            </a:r>
+          </a:p>
+          <a:p>
+            <a:pPr lvl="1"/>
+            <a:r>
+              <a:rPr lang="en-US" dirty="0"/>
+              <a:t>Ship flies towards reticle (controlled by Vive wand)</a:t>
+            </a:r>
+          </a:p>
+          <a:p>
+            <a:r>
+              <a:rPr lang="en-US" dirty="0"/>
+              <a:t>Weapon Controls</a:t>
+            </a:r>
+          </a:p>
+          <a:p>
+            <a:pPr lvl="1"/>
+            <a:r>
+              <a:rPr lang="en-US" dirty="0"/>
+              <a:t>Ship fires active weapon towards reticle (where applicable)</a:t>
+            </a:r>
+          </a:p>
+          <a:p>
+            <a:pPr lvl="1"/>
+            <a:r>
+              <a:rPr lang="en-US" dirty="0"/>
+              <a:t>Range, accuracy, rate of fire, and effects vary</a:t>
+            </a:r>
+          </a:p>
+          <a:p>
+            <a:r>
+              <a:rPr lang="en-US" dirty="0"/>
+              <a:t>Time Pause</a:t>
+            </a:r>
+          </a:p>
+          <a:p>
+            <a:pPr lvl="1"/>
+            <a:r>
+              <a:rPr lang="en-US" dirty="0"/>
+              <a:t>Temporarily freeze time in order to plan attacks and </a:t>
+            </a:r>
+            <a:r>
+              <a:rPr lang="en-US" dirty="0" err="1"/>
+              <a:t>maneuveurs</a:t>
+            </a:r>
             <a:endParaRPr lang="en-US" dirty="0"/>
-          </a:p>
-        </p:txBody>
-      </p:sp>
-      <p:sp>
-        <p:nvSpPr>
-          <p:cNvPr id="3" name="Content Placeholder 2"/>
-          <p:cNvSpPr>
-            <a:spLocks noGrp="1"/>
-          </p:cNvSpPr>
-          <p:nvPr>
-            <p:ph idx="1"/>
-          </p:nvPr>
-        </p:nvSpPr>
-        <p:spPr/>
-        <p:txBody>
-          <a:bodyPr/>
-          <a:lstStyle/>
-          <a:p>
-            <a:r>
-              <a:rPr lang="en-US" dirty="0" smtClean="0"/>
-              <a:t>Flight Controls</a:t>
-            </a:r>
-          </a:p>
-          <a:p>
-            <a:pPr lvl="1"/>
-            <a:r>
-              <a:rPr lang="en-US" dirty="0" smtClean="0"/>
-              <a:t>Ship flies towards reticle (controlled by Vive wand)</a:t>
-            </a:r>
-          </a:p>
-          <a:p>
-            <a:r>
-              <a:rPr lang="en-US" dirty="0" smtClean="0"/>
-              <a:t>Weapon Controls</a:t>
-            </a:r>
-            <a:endParaRPr lang="en-US" dirty="0"/>
-          </a:p>
-          <a:p>
-            <a:pPr lvl="1"/>
-            <a:r>
-              <a:rPr lang="en-US" dirty="0" smtClean="0"/>
-              <a:t>Ship fires active weapon towards reticle (where applicable)</a:t>
-            </a:r>
-          </a:p>
-          <a:p>
-            <a:pPr lvl="1"/>
-            <a:r>
-              <a:rPr lang="en-US" dirty="0" smtClean="0"/>
-              <a:t>Range, accuracy, rate of fire, and effects vary</a:t>
-            </a:r>
-            <a:endParaRPr lang="en-US" dirty="0"/>
-          </a:p>
-          <a:p>
-            <a:r>
-              <a:rPr lang="en-US" dirty="0" smtClean="0"/>
-              <a:t>Time Pause</a:t>
-            </a:r>
-          </a:p>
-          <a:p>
-            <a:pPr lvl="1"/>
-            <a:r>
-              <a:rPr lang="en-US" dirty="0" smtClean="0"/>
-              <a:t>Temporarily freeze time in order to plan attacks and </a:t>
-            </a:r>
-            <a:r>
-              <a:rPr lang="en-US" dirty="0" err="1" smtClean="0"/>
-              <a:t>maneuveurs</a:t>
-            </a:r>
-            <a:endParaRPr lang="en-US" dirty="0" smtClean="0"/>
           </a:p>
         </p:txBody>
       </p:sp>
@@ -3479,13 +3438,6 @@
   <p:clrMapOvr>
     <a:masterClrMapping/>
   </p:clrMapOvr>
-  <p:timing>
-    <p:tnLst>
-      <p:par>
-        <p:cTn id="1" dur="indefinite" restart="never" nodeType="tmRoot"/>
-      </p:par>
-    </p:tnLst>
-  </p:timing>
 </p:sld>
 </file>
 
@@ -3572,10 +3524,9 @@
           <a:p>
             <a:pPr algn="r"/>
             <a:r>
-              <a:rPr lang="en-US" sz="1600" dirty="0" smtClean="0"/>
+              <a:rPr lang="en-US" sz="1600" dirty="0"/>
               <a:t>options menu</a:t>
             </a:r>
-            <a:endParaRPr lang="en-US" sz="1600" dirty="0"/>
           </a:p>
         </p:txBody>
       </p:sp>
@@ -3603,33 +3554,16 @@
           <a:p>
             <a:pPr algn="r"/>
             <a:r>
-              <a:rPr lang="en-US" sz="1600" dirty="0" smtClean="0"/>
-              <a:t>L: weapons </a:t>
-            </a:r>
-            <a:r>
               <a:rPr lang="en-US" sz="1600" dirty="0"/>
-              <a:t>r</a:t>
-            </a:r>
-            <a:r>
-              <a:rPr lang="en-US" sz="1600" dirty="0" smtClean="0"/>
-              <a:t>adial</a:t>
+              <a:t>R: weapons radial</a:t>
             </a:r>
           </a:p>
           <a:p>
             <a:pPr algn="r"/>
             <a:r>
-              <a:rPr lang="en-US" sz="1600" dirty="0" smtClean="0"/>
-              <a:t>R:        </a:t>
-            </a:r>
-            <a:r>
               <a:rPr lang="en-US" sz="1600" dirty="0"/>
-              <a:t>s</a:t>
-            </a:r>
-            <a:r>
-              <a:rPr lang="en-US" sz="1600" dirty="0" smtClean="0"/>
-              <a:t>hip radial</a:t>
-            </a:r>
-            <a:endParaRPr lang="en-US" sz="1600" dirty="0"/>
+              <a:t>L:        ship radial</a:t>
+            </a:r>
           </a:p>
         </p:txBody>
       </p:sp>
@@ -3657,10 +3591,9 @@
           <a:p>
             <a:pPr algn="r"/>
             <a:r>
-              <a:rPr lang="en-US" sz="1600" dirty="0" smtClean="0"/>
+              <a:rPr lang="en-US" sz="1600" dirty="0"/>
               <a:t>Steam Overlay</a:t>
             </a:r>
-            <a:endParaRPr lang="en-US" sz="1600" dirty="0"/>
           </a:p>
         </p:txBody>
       </p:sp>
@@ -3687,10 +3620,9 @@
           <a:lstStyle/>
           <a:p>
             <a:r>
-              <a:rPr lang="en-US" sz="1600" dirty="0" smtClean="0"/>
+              <a:rPr lang="en-US" sz="1600" dirty="0"/>
               <a:t>fire/use</a:t>
             </a:r>
-            <a:endParaRPr lang="en-US" sz="1600" dirty="0"/>
           </a:p>
         </p:txBody>
       </p:sp>
@@ -3717,10 +3649,9 @@
           <a:lstStyle/>
           <a:p>
             <a:r>
-              <a:rPr lang="en-US" sz="1600" dirty="0" smtClean="0"/>
+              <a:rPr lang="en-US" sz="1600" dirty="0"/>
               <a:t>pause time</a:t>
             </a:r>
-            <a:endParaRPr lang="en-US" sz="1600" dirty="0"/>
           </a:p>
         </p:txBody>
       </p:sp>
@@ -3745,10 +3676,9 @@
           <a:lstStyle/>
           <a:p>
             <a:r>
-              <a:rPr lang="en-US" dirty="0" smtClean="0"/>
+              <a:rPr lang="en-US" dirty="0"/>
               <a:t>Controls</a:t>
             </a:r>
-            <a:endParaRPr lang="en-US" dirty="0"/>
           </a:p>
         </p:txBody>
       </p:sp>
@@ -3762,13 +3692,6 @@
   <p:clrMapOvr>
     <a:masterClrMapping/>
   </p:clrMapOvr>
-  <p:timing>
-    <p:tnLst>
-      <p:par>
-        <p:cTn id="1" dur="indefinite" restart="never" nodeType="tmRoot"/>
-      </p:par>
-    </p:tnLst>
-  </p:timing>
 </p:sld>
 </file>
 
@@ -3801,7 +3724,7 @@
         </p:nvSpPr>
         <p:spPr>
           <a:xfrm>
-            <a:off x="914400" y="1219200"/>
+            <a:off x="914400" y="304800"/>
             <a:ext cx="7315200" cy="1154097"/>
           </a:xfrm>
         </p:spPr>
@@ -3810,363 +3733,153 @@
           <a:lstStyle/>
           <a:p>
             <a:r>
-              <a:rPr lang="en-US" dirty="0" smtClean="0"/>
-              <a:t>In Game (WIP)</a:t>
-            </a:r>
-            <a:endParaRPr lang="en-US" dirty="0"/>
-          </a:p>
-        </p:txBody>
-      </p:sp>
-      <p:pic>
-        <p:nvPicPr>
-          <p:cNvPr id="4" name="Content Placeholder 3"/>
-          <p:cNvPicPr>
-            <a:picLocks noGrp="1" noChangeAspect="1"/>
-          </p:cNvPicPr>
+              <a:rPr lang="en-US" dirty="0"/>
+              <a:t>Timeline</a:t>
+            </a:r>
+          </a:p>
+        </p:txBody>
+      </p:sp>
+      <p:sp>
+        <p:nvSpPr>
+          <p:cNvPr id="3" name="Content Placeholder 2"/>
+          <p:cNvSpPr>
+            <a:spLocks noGrp="1"/>
+          </p:cNvSpPr>
           <p:nvPr>
             <p:ph idx="1"/>
           </p:nvPr>
-        </p:nvPicPr>
-        <p:blipFill>
-          <a:blip r:embed="rId2">
-            <a:extLst>
-              <a:ext uri="{28A0092B-C50C-407E-A947-70E740481C1C}">
-                <a14:useLocalDpi xmlns:a14="http://schemas.microsoft.com/office/drawing/2010/main" val="0"/>
-              </a:ext>
-            </a:extLst>
-          </a:blip>
-          <a:stretch>
-            <a:fillRect/>
-          </a:stretch>
-        </p:blipFill>
+        </p:nvSpPr>
         <p:spPr>
           <a:xfrm>
-            <a:off x="914400" y="2580214"/>
-            <a:ext cx="7315200" cy="3267455"/>
+            <a:off x="914400" y="1529918"/>
+            <a:ext cx="7315200" cy="5175682"/>
           </a:xfrm>
         </p:spPr>
-      </p:pic>
-      <p:sp>
-        <p:nvSpPr>
-          <p:cNvPr id="6" name="TextBox 5"/>
-          <p:cNvSpPr txBox="1"/>
-          <p:nvPr/>
-        </p:nvSpPr>
-        <p:spPr>
-          <a:xfrm>
-            <a:off x="5715000" y="4385846"/>
-            <a:ext cx="1752600" cy="338554"/>
-          </a:xfrm>
-          <a:prstGeom prst="rect">
-            <a:avLst/>
-          </a:prstGeom>
-          <a:noFill/>
-        </p:spPr>
-        <p:txBody>
-          <a:bodyPr wrap="square" rtlCol="0">
-            <a:spAutoFit/>
+        <p:txBody>
+          <a:bodyPr>
+            <a:normAutofit/>
           </a:bodyPr>
           <a:lstStyle/>
           <a:p>
-            <a:r>
-              <a:rPr lang="en-US" sz="1600" dirty="0" smtClean="0"/>
-              <a:t>player ship</a:t>
-            </a:r>
-            <a:endParaRPr lang="en-US" sz="1600" dirty="0"/>
-          </a:p>
-        </p:txBody>
-      </p:sp>
-      <p:sp>
-        <p:nvSpPr>
-          <p:cNvPr id="7" name="TextBox 6"/>
-          <p:cNvSpPr txBox="1"/>
-          <p:nvPr/>
-        </p:nvSpPr>
-        <p:spPr>
-          <a:xfrm>
-            <a:off x="6019800" y="3700046"/>
-            <a:ext cx="1752600" cy="338554"/>
-          </a:xfrm>
-          <a:prstGeom prst="rect">
-            <a:avLst/>
-          </a:prstGeom>
-          <a:noFill/>
-        </p:spPr>
-        <p:txBody>
-          <a:bodyPr wrap="square" rtlCol="0">
-            <a:spAutoFit/>
-          </a:bodyPr>
-          <a:lstStyle/>
-          <a:p>
-            <a:r>
-              <a:rPr lang="en-US" sz="1600" dirty="0" smtClean="0"/>
-              <a:t>ship control</a:t>
-            </a:r>
-            <a:endParaRPr lang="en-US" sz="1600" dirty="0"/>
-          </a:p>
-        </p:txBody>
-      </p:sp>
-      <p:sp>
-        <p:nvSpPr>
-          <p:cNvPr id="8" name="TextBox 7"/>
-          <p:cNvSpPr txBox="1"/>
-          <p:nvPr/>
-        </p:nvSpPr>
-        <p:spPr>
-          <a:xfrm>
-            <a:off x="3505200" y="3547646"/>
-            <a:ext cx="1752600" cy="338554"/>
-          </a:xfrm>
-          <a:prstGeom prst="rect">
-            <a:avLst/>
-          </a:prstGeom>
-          <a:noFill/>
-        </p:spPr>
-        <p:txBody>
-          <a:bodyPr wrap="square" rtlCol="0">
-            <a:spAutoFit/>
-          </a:bodyPr>
-          <a:lstStyle/>
-          <a:p>
-            <a:r>
-              <a:rPr lang="en-US" sz="1600" dirty="0" smtClean="0"/>
-              <a:t>weapon control</a:t>
-            </a:r>
-            <a:endParaRPr lang="en-US" sz="1600" dirty="0"/>
-          </a:p>
-        </p:txBody>
-      </p:sp>
-      <p:cxnSp>
-        <p:nvCxnSpPr>
-          <p:cNvPr id="9" name="Straight Connector 8"/>
-          <p:cNvCxnSpPr/>
-          <p:nvPr/>
-        </p:nvCxnSpPr>
-        <p:spPr>
-          <a:xfrm flipH="1" flipV="1">
-            <a:off x="3352800" y="3962400"/>
-            <a:ext cx="2133600" cy="457200"/>
-          </a:xfrm>
-          <a:prstGeom prst="line">
-            <a:avLst/>
-          </a:prstGeom>
-          <a:ln>
-            <a:solidFill>
-              <a:srgbClr val="FF0000"/>
-            </a:solidFill>
-          </a:ln>
-        </p:spPr>
-        <p:style>
-          <a:lnRef idx="1">
-            <a:schemeClr val="accent1"/>
-          </a:lnRef>
-          <a:fillRef idx="0">
-            <a:schemeClr val="accent1"/>
-          </a:fillRef>
-          <a:effectRef idx="0">
-            <a:schemeClr val="accent1"/>
-          </a:effectRef>
-          <a:fontRef idx="minor">
-            <a:schemeClr val="tx1"/>
-          </a:fontRef>
-        </p:style>
-      </p:cxnSp>
-      <p:sp>
-        <p:nvSpPr>
-          <p:cNvPr id="11" name="TextBox 10"/>
-          <p:cNvSpPr txBox="1"/>
-          <p:nvPr/>
-        </p:nvSpPr>
-        <p:spPr>
-          <a:xfrm>
-            <a:off x="3352800" y="4309646"/>
-            <a:ext cx="1752600" cy="338554"/>
-          </a:xfrm>
-          <a:prstGeom prst="rect">
-            <a:avLst/>
-          </a:prstGeom>
-          <a:noFill/>
-        </p:spPr>
-        <p:txBody>
-          <a:bodyPr wrap="square" rtlCol="0">
-            <a:spAutoFit/>
-          </a:bodyPr>
-          <a:lstStyle/>
-          <a:p>
-            <a:pPr algn="r"/>
-            <a:r>
-              <a:rPr lang="en-US" sz="1600" dirty="0" smtClean="0"/>
-              <a:t>bullet trace</a:t>
-            </a:r>
-            <a:endParaRPr lang="en-US" sz="1600" dirty="0"/>
-          </a:p>
-        </p:txBody>
-      </p:sp>
-      <p:cxnSp>
-        <p:nvCxnSpPr>
-          <p:cNvPr id="12" name="Straight Connector 11"/>
-          <p:cNvCxnSpPr/>
-          <p:nvPr/>
-        </p:nvCxnSpPr>
-        <p:spPr>
-          <a:xfrm flipH="1">
-            <a:off x="3352800" y="3801561"/>
-            <a:ext cx="152400" cy="84639"/>
-          </a:xfrm>
-          <a:prstGeom prst="line">
-            <a:avLst/>
-          </a:prstGeom>
-          <a:ln>
-            <a:solidFill>
-              <a:schemeClr val="tx1"/>
-            </a:solidFill>
-            <a:headEnd type="oval" w="med" len="med"/>
-            <a:tailEnd type="oval" w="med" len="med"/>
-          </a:ln>
-        </p:spPr>
-        <p:style>
-          <a:lnRef idx="1">
-            <a:schemeClr val="accent1"/>
-          </a:lnRef>
-          <a:fillRef idx="0">
-            <a:schemeClr val="accent1"/>
-          </a:fillRef>
-          <a:effectRef idx="0">
-            <a:schemeClr val="accent1"/>
-          </a:effectRef>
-          <a:fontRef idx="minor">
-            <a:schemeClr val="tx1"/>
-          </a:fontRef>
-        </p:style>
-      </p:cxnSp>
-      <p:cxnSp>
-        <p:nvCxnSpPr>
-          <p:cNvPr id="15" name="Straight Connector 14"/>
-          <p:cNvCxnSpPr/>
-          <p:nvPr/>
-        </p:nvCxnSpPr>
-        <p:spPr>
-          <a:xfrm>
-            <a:off x="3886200" y="4114800"/>
-            <a:ext cx="76200" cy="364123"/>
-          </a:xfrm>
-          <a:prstGeom prst="line">
-            <a:avLst/>
-          </a:prstGeom>
-          <a:ln>
-            <a:solidFill>
-              <a:schemeClr val="tx1"/>
-            </a:solidFill>
-            <a:headEnd type="oval" w="med" len="med"/>
-            <a:tailEnd type="oval" w="med" len="med"/>
-          </a:ln>
-        </p:spPr>
-        <p:style>
-          <a:lnRef idx="1">
-            <a:schemeClr val="accent1"/>
-          </a:lnRef>
-          <a:fillRef idx="0">
-            <a:schemeClr val="accent1"/>
-          </a:fillRef>
-          <a:effectRef idx="0">
-            <a:schemeClr val="accent1"/>
-          </a:effectRef>
-          <a:fontRef idx="minor">
-            <a:schemeClr val="tx1"/>
-          </a:fontRef>
-        </p:style>
-      </p:cxnSp>
-      <p:cxnSp>
-        <p:nvCxnSpPr>
-          <p:cNvPr id="19" name="Straight Connector 18"/>
-          <p:cNvCxnSpPr/>
-          <p:nvPr/>
-        </p:nvCxnSpPr>
-        <p:spPr>
-          <a:xfrm flipV="1">
-            <a:off x="5867400" y="3932738"/>
-            <a:ext cx="152400" cy="105863"/>
-          </a:xfrm>
-          <a:prstGeom prst="line">
-            <a:avLst/>
-          </a:prstGeom>
-          <a:ln>
-            <a:solidFill>
-              <a:schemeClr val="tx1"/>
-            </a:solidFill>
-            <a:headEnd type="oval" w="med" len="med"/>
-            <a:tailEnd type="oval" w="med" len="med"/>
-          </a:ln>
-        </p:spPr>
-        <p:style>
-          <a:lnRef idx="1">
-            <a:schemeClr val="accent1"/>
-          </a:lnRef>
-          <a:fillRef idx="0">
-            <a:schemeClr val="accent1"/>
-          </a:fillRef>
-          <a:effectRef idx="0">
-            <a:schemeClr val="accent1"/>
-          </a:effectRef>
-          <a:fontRef idx="minor">
-            <a:schemeClr val="tx1"/>
-          </a:fontRef>
-        </p:style>
-      </p:cxnSp>
-      <p:cxnSp>
-        <p:nvCxnSpPr>
-          <p:cNvPr id="25" name="Straight Connector 24"/>
-          <p:cNvCxnSpPr/>
-          <p:nvPr/>
-        </p:nvCxnSpPr>
-        <p:spPr>
-          <a:xfrm>
-            <a:off x="5562600" y="4512678"/>
-            <a:ext cx="152400" cy="59322"/>
-          </a:xfrm>
-          <a:prstGeom prst="line">
-            <a:avLst/>
-          </a:prstGeom>
-          <a:ln>
-            <a:solidFill>
-              <a:schemeClr val="tx1"/>
-            </a:solidFill>
-            <a:headEnd type="oval" w="med" len="med"/>
-            <a:tailEnd type="oval" w="med" len="med"/>
-          </a:ln>
-        </p:spPr>
-        <p:style>
-          <a:lnRef idx="1">
-            <a:schemeClr val="accent1"/>
-          </a:lnRef>
-          <a:fillRef idx="0">
-            <a:schemeClr val="accent1"/>
-          </a:fillRef>
-          <a:effectRef idx="0">
-            <a:schemeClr val="accent1"/>
-          </a:effectRef>
-          <a:fontRef idx="minor">
-            <a:schemeClr val="tx1"/>
-          </a:fontRef>
-        </p:style>
-      </p:cxnSp>
+            <a:pPr fontAlgn="base"/>
+            <a:r>
+              <a:rPr lang="en-US" dirty="0"/>
+              <a:t>November 22</a:t>
+            </a:r>
+            <a:r>
+              <a:rPr lang="en-US" baseline="30000" dirty="0"/>
+              <a:t>nd</a:t>
+            </a:r>
+            <a:endParaRPr lang="en-US" dirty="0"/>
+          </a:p>
+          <a:p>
+            <a:pPr lvl="1" fontAlgn="base"/>
+            <a:r>
+              <a:rPr lang="en-US" dirty="0"/>
+              <a:t>Continued sound discovery</a:t>
+            </a:r>
+          </a:p>
+          <a:p>
+            <a:pPr lvl="1" fontAlgn="base"/>
+            <a:r>
+              <a:rPr lang="en-US" dirty="0"/>
+              <a:t>Sound implementation</a:t>
+            </a:r>
+          </a:p>
+          <a:p>
+            <a:pPr lvl="1" fontAlgn="base"/>
+            <a:r>
+              <a:rPr lang="en-US" dirty="0"/>
+              <a:t>Continued texturing</a:t>
+            </a:r>
+          </a:p>
+          <a:p>
+            <a:pPr lvl="1" fontAlgn="base"/>
+            <a:r>
+              <a:rPr lang="en-US" dirty="0"/>
+              <a:t>Initial playtesting</a:t>
+            </a:r>
+          </a:p>
+          <a:p>
+            <a:pPr fontAlgn="base"/>
+            <a:r>
+              <a:rPr lang="en-US" dirty="0"/>
+              <a:t>November 29th</a:t>
+            </a:r>
+          </a:p>
+          <a:p>
+            <a:pPr lvl="1" fontAlgn="base"/>
+            <a:r>
+              <a:rPr lang="en-US" dirty="0"/>
+              <a:t>Playtesting continued</a:t>
+            </a:r>
+          </a:p>
+          <a:p>
+            <a:pPr lvl="1" fontAlgn="base"/>
+            <a:r>
+              <a:rPr lang="en-US" dirty="0"/>
+              <a:t>Changes based on playtesting results planned (implementation started)</a:t>
+            </a:r>
+          </a:p>
+          <a:p>
+            <a:pPr fontAlgn="base"/>
+            <a:r>
+              <a:rPr lang="en-US" dirty="0"/>
+              <a:t>December 6</a:t>
+            </a:r>
+            <a:r>
+              <a:rPr lang="en-US" baseline="30000" dirty="0"/>
+              <a:t>th</a:t>
+            </a:r>
+            <a:endParaRPr lang="en-US" dirty="0"/>
+          </a:p>
+          <a:p>
+            <a:pPr lvl="1" fontAlgn="base"/>
+            <a:r>
+              <a:rPr lang="en-US" dirty="0"/>
+              <a:t>Trailer draft</a:t>
+            </a:r>
+          </a:p>
+          <a:p>
+            <a:pPr lvl="1" fontAlgn="base"/>
+            <a:r>
+              <a:rPr lang="en-US" dirty="0"/>
+              <a:t>Playtest changes implemented</a:t>
+            </a:r>
+          </a:p>
+          <a:p>
+            <a:pPr fontAlgn="base"/>
+            <a:r>
+              <a:rPr lang="en-US" dirty="0"/>
+              <a:t>December 13th</a:t>
+            </a:r>
+          </a:p>
+          <a:p>
+            <a:pPr lvl="1" fontAlgn="base"/>
+            <a:r>
+              <a:rPr lang="en-US" dirty="0"/>
+              <a:t>All the things done (posters, documents, etc.)</a:t>
+            </a:r>
+          </a:p>
+          <a:p>
+            <a:pPr lvl="1" fontAlgn="base"/>
+            <a:r>
+              <a:rPr lang="en-US" dirty="0"/>
+              <a:t>Final version built and ready for demo</a:t>
+            </a:r>
+          </a:p>
+        </p:txBody>
+      </p:sp>
     </p:spTree>
     <p:extLst>
       <p:ext uri="{BB962C8B-B14F-4D97-AF65-F5344CB8AC3E}">
-        <p14:creationId xmlns:p14="http://schemas.microsoft.com/office/powerpoint/2010/main" val="3900484784"/>
+        <p14:creationId xmlns:p14="http://schemas.microsoft.com/office/powerpoint/2010/main" val="2987369361"/>
       </p:ext>
     </p:extLst>
   </p:cSld>
   <p:clrMapOvr>
     <a:masterClrMapping/>
   </p:clrMapOvr>
-  <p:timing>
-    <p:tnLst>
-      <p:par>
-        <p:cTn id="1" dur="indefinite" restart="never" nodeType="tmRoot"/>
-      </p:par>
-    </p:tnLst>
-  </p:timing>
 </p:sld>
 </file>
 
@@ -4189,7 +3902,13 @@
       </p:grpSpPr>
       <p:sp>
         <p:nvSpPr>
-          <p:cNvPr id="2" name="Title 1"/>
+          <p:cNvPr id="2" name="Title 1">
+            <a:extLst>
+              <a:ext uri="{FF2B5EF4-FFF2-40B4-BE49-F238E27FC236}">
+                <a16:creationId xmlns:a16="http://schemas.microsoft.com/office/drawing/2014/main" id="{4837A906-B871-41AC-A967-65EE8485EAEA}"/>
+              </a:ext>
+            </a:extLst>
+          </p:cNvPr>
           <p:cNvSpPr>
             <a:spLocks noGrp="1"/>
           </p:cNvSpPr>
@@ -4197,22 +3916,32 @@
             <p:ph type="title"/>
           </p:nvPr>
         </p:nvSpPr>
-        <p:spPr/>
-        <p:txBody>
-          <a:bodyPr/>
-          <a:lstStyle/>
-          <a:p>
-            <a:r>
-              <a:rPr lang="en-US" dirty="0" smtClean="0"/>
-              <a:t>Not Shown in Screenshot</a:t>
-            </a:r>
-            <a:endParaRPr lang="en-US" dirty="0"/>
-          </a:p>
-        </p:txBody>
-      </p:sp>
-      <p:sp>
-        <p:nvSpPr>
-          <p:cNvPr id="3" name="Content Placeholder 2"/>
+        <p:spPr>
+          <a:xfrm>
+            <a:off x="914400" y="1066800"/>
+            <a:ext cx="7315200" cy="1154097"/>
+          </a:xfrm>
+        </p:spPr>
+        <p:txBody>
+          <a:bodyPr/>
+          <a:lstStyle/>
+          <a:p>
+            <a:r>
+              <a:rPr lang="en-US" dirty="0"/>
+              <a:t>Play-Testing Plans</a:t>
+            </a:r>
+          </a:p>
+        </p:txBody>
+      </p:sp>
+      <p:sp>
+        <p:nvSpPr>
+          <p:cNvPr id="3" name="Content Placeholder 2">
+            <a:extLst>
+              <a:ext uri="{FF2B5EF4-FFF2-40B4-BE49-F238E27FC236}">
+                <a16:creationId xmlns:a16="http://schemas.microsoft.com/office/drawing/2014/main" id="{1D8BD0FE-C075-460E-A8A4-138A41779290}"/>
+              </a:ext>
+            </a:extLst>
+          </p:cNvPr>
           <p:cNvSpPr>
             <a:spLocks noGrp="1"/>
           </p:cNvSpPr>
@@ -4220,61 +3949,89 @@
             <p:ph idx="1"/>
           </p:nvPr>
         </p:nvSpPr>
-        <p:spPr/>
-        <p:txBody>
-          <a:bodyPr/>
-          <a:lstStyle/>
-          <a:p>
-            <a:r>
-              <a:rPr lang="en-US" dirty="0" smtClean="0"/>
-              <a:t>Additional monitors</a:t>
+        <p:spPr>
+          <a:xfrm>
+            <a:off x="914400" y="2291918"/>
+            <a:ext cx="7315200" cy="3539527"/>
+          </a:xfrm>
+        </p:spPr>
+        <p:txBody>
+          <a:bodyPr>
+            <a:normAutofit lnSpcReduction="10000"/>
+          </a:bodyPr>
+          <a:lstStyle/>
+          <a:p>
+            <a:r>
+              <a:rPr lang="en-US" dirty="0"/>
+              <a:t>Primary Group: Friends and Family</a:t>
             </a:r>
           </a:p>
           <a:p>
             <a:pPr lvl="1"/>
             <a:r>
-              <a:rPr lang="en-US" dirty="0" smtClean="0"/>
-              <a:t>Monitors will be arrayed above the table</a:t>
+              <a:rPr lang="en-US" dirty="0"/>
+              <a:t>Wide range in gaming experience</a:t>
             </a:r>
           </a:p>
           <a:p>
             <a:pPr lvl="1"/>
             <a:r>
-              <a:rPr lang="en-US" dirty="0" smtClean="0"/>
-              <a:t>Give information regarding enemy ships, weapon cooldowns, etc.</a:t>
-            </a:r>
-          </a:p>
-          <a:p>
-            <a:r>
-              <a:rPr lang="en-US" dirty="0" smtClean="0"/>
-              <a:t>Additional ships</a:t>
+              <a:rPr lang="en-US" dirty="0"/>
+              <a:t>Wide age range (children to adults)</a:t>
+            </a:r>
+          </a:p>
+          <a:p>
+            <a:r>
+              <a:rPr lang="en-US" dirty="0"/>
+              <a:t>General Strategy</a:t>
             </a:r>
           </a:p>
           <a:p>
             <a:pPr lvl="1"/>
             <a:r>
-              <a:rPr lang="en-US" dirty="0" smtClean="0"/>
-              <a:t>Enemy ships will vary in style according to faction of ship</a:t>
-            </a:r>
-          </a:p>
-          <a:p>
-            <a:r>
-              <a:rPr lang="en-US" dirty="0" smtClean="0"/>
-              <a:t>Cabin interior</a:t>
+              <a:rPr lang="en-US" dirty="0"/>
+              <a:t>How much fun was had (focus and duration of play)</a:t>
             </a:r>
           </a:p>
           <a:p>
             <a:pPr lvl="1"/>
             <a:r>
-              <a:rPr lang="en-US" dirty="0" smtClean="0"/>
-              <a:t>Detailed interior of your ship’s cabin that reacts to game events</a:t>
+              <a:rPr lang="en-US" dirty="0"/>
+              <a:t>Usage of mechanics (weapon-switching and time-slow)</a:t>
             </a:r>
           </a:p>
           <a:p>
             <a:pPr lvl="1"/>
             <a:r>
-              <a:rPr lang="en-US" dirty="0" smtClean="0"/>
-              <a:t>Ex: Lights go red and dark when ship is heavily damaged</a:t>
+              <a:rPr lang="en-US" dirty="0"/>
+              <a:t>How easy game was to explain (intuitiveness)</a:t>
+            </a:r>
+          </a:p>
+          <a:p>
+            <a:r>
+              <a:rPr lang="en-US" dirty="0"/>
+              <a:t>Game Mode: Asteroids!</a:t>
+            </a:r>
+          </a:p>
+          <a:p>
+            <a:pPr lvl="1"/>
+            <a:r>
+              <a:rPr lang="en-US" dirty="0"/>
+              <a:t>Already a known game for most players</a:t>
+            </a:r>
+          </a:p>
+          <a:p>
+            <a:pPr lvl="1"/>
+            <a:r>
+              <a:rPr lang="en-US" dirty="0"/>
+              <a:t>Very basic ruleset for actual game (don’t die)</a:t>
+            </a:r>
+          </a:p>
+          <a:p>
+            <a:pPr lvl="1"/>
+            <a:r>
+              <a:rPr lang="en-US" dirty="0"/>
+              <a:t>Primary focus becomes the use of our game’s specific mechanics</a:t>
             </a:r>
           </a:p>
         </p:txBody>
@@ -4282,370 +4039,13 @@
     </p:spTree>
     <p:extLst>
       <p:ext uri="{BB962C8B-B14F-4D97-AF65-F5344CB8AC3E}">
-        <p14:creationId xmlns:p14="http://schemas.microsoft.com/office/powerpoint/2010/main" val="2434397927"/>
+        <p14:creationId xmlns:p14="http://schemas.microsoft.com/office/powerpoint/2010/main" val="56394603"/>
       </p:ext>
     </p:extLst>
   </p:cSld>
   <p:clrMapOvr>
     <a:masterClrMapping/>
   </p:clrMapOvr>
-  <p:timing>
-    <p:tnLst>
-      <p:par>
-        <p:cTn id="1" dur="indefinite" restart="never" nodeType="tmRoot"/>
-      </p:par>
-    </p:tnLst>
-  </p:timing>
-</p:sld>
-</file>
-
-<file path=ppt/slides/slide7.xml><?xml version="1.0" encoding="utf-8"?>
-<p:sld xmlns:a="http://schemas.openxmlformats.org/drawingml/2006/main" xmlns:r="http://schemas.openxmlformats.org/officeDocument/2006/relationships" xmlns:p="http://schemas.openxmlformats.org/presentationml/2006/main">
-  <p:cSld>
-    <p:spTree>
-      <p:nvGrpSpPr>
-        <p:cNvPr id="1" name=""/>
-        <p:cNvGrpSpPr/>
-        <p:nvPr/>
-      </p:nvGrpSpPr>
-      <p:grpSpPr>
-        <a:xfrm>
-          <a:off x="0" y="0"/>
-          <a:ext cx="0" cy="0"/>
-          <a:chOff x="0" y="0"/>
-          <a:chExt cx="0" cy="0"/>
-        </a:xfrm>
-      </p:grpSpPr>
-      <p:sp>
-        <p:nvSpPr>
-          <p:cNvPr id="2" name="Title 1"/>
-          <p:cNvSpPr>
-            <a:spLocks noGrp="1"/>
-          </p:cNvSpPr>
-          <p:nvPr>
-            <p:ph type="title"/>
-          </p:nvPr>
-        </p:nvSpPr>
-        <p:spPr>
-          <a:xfrm>
-            <a:off x="914400" y="304800"/>
-            <a:ext cx="7315200" cy="1154097"/>
-          </a:xfrm>
-        </p:spPr>
-        <p:txBody>
-          <a:bodyPr/>
-          <a:lstStyle/>
-          <a:p>
-            <a:r>
-              <a:rPr lang="en-US" dirty="0" smtClean="0"/>
-              <a:t>Timeline</a:t>
-            </a:r>
-            <a:endParaRPr lang="en-US" dirty="0"/>
-          </a:p>
-        </p:txBody>
-      </p:sp>
-      <p:sp>
-        <p:nvSpPr>
-          <p:cNvPr id="3" name="Content Placeholder 2"/>
-          <p:cNvSpPr>
-            <a:spLocks noGrp="1"/>
-          </p:cNvSpPr>
-          <p:nvPr>
-            <p:ph idx="1"/>
-          </p:nvPr>
-        </p:nvSpPr>
-        <p:spPr>
-          <a:xfrm>
-            <a:off x="914400" y="1529918"/>
-            <a:ext cx="7315200" cy="5175682"/>
-          </a:xfrm>
-        </p:spPr>
-        <p:txBody>
-          <a:bodyPr>
-            <a:normAutofit fontScale="85000" lnSpcReduction="20000"/>
-          </a:bodyPr>
-          <a:lstStyle/>
-          <a:p>
-            <a:pPr fontAlgn="base"/>
-            <a:r>
-              <a:rPr lang="en-US" dirty="0"/>
-              <a:t>November 8st</a:t>
-            </a:r>
-          </a:p>
-          <a:p>
-            <a:pPr lvl="1" fontAlgn="base"/>
-            <a:r>
-              <a:rPr lang="en-US" dirty="0"/>
-              <a:t>Continued programming (dynamic environment, AI refinement, additional weapons)</a:t>
-            </a:r>
-          </a:p>
-          <a:p>
-            <a:pPr lvl="1" fontAlgn="base"/>
-            <a:r>
-              <a:rPr lang="en-US" dirty="0"/>
-              <a:t>Sound discovery</a:t>
-            </a:r>
-          </a:p>
-          <a:p>
-            <a:pPr lvl="1" fontAlgn="base"/>
-            <a:r>
-              <a:rPr lang="en-US" dirty="0"/>
-              <a:t>Trailer produced and edited</a:t>
-            </a:r>
-          </a:p>
-          <a:p>
-            <a:pPr fontAlgn="base"/>
-            <a:r>
-              <a:rPr lang="en-US" dirty="0"/>
-              <a:t>November 15th</a:t>
-            </a:r>
-          </a:p>
-          <a:p>
-            <a:pPr lvl="1" fontAlgn="base"/>
-            <a:r>
-              <a:rPr lang="en-US" dirty="0"/>
-              <a:t>Continued programming (for remainder of project)</a:t>
-            </a:r>
-          </a:p>
-          <a:p>
-            <a:pPr lvl="1" fontAlgn="base"/>
-            <a:r>
-              <a:rPr lang="en-US" dirty="0"/>
-              <a:t>Mission implementation (simple goals to start)</a:t>
-            </a:r>
-          </a:p>
-          <a:p>
-            <a:pPr lvl="1" fontAlgn="base"/>
-            <a:r>
-              <a:rPr lang="en-US" dirty="0"/>
-              <a:t>Trailer refinement</a:t>
-            </a:r>
-          </a:p>
-          <a:p>
-            <a:pPr fontAlgn="base"/>
-            <a:r>
-              <a:rPr lang="en-US" dirty="0"/>
-              <a:t>November 22nd</a:t>
-            </a:r>
-          </a:p>
-          <a:p>
-            <a:pPr lvl="1" fontAlgn="base"/>
-            <a:r>
-              <a:rPr lang="en-US" dirty="0"/>
-              <a:t>Sound implementation</a:t>
-            </a:r>
-          </a:p>
-          <a:p>
-            <a:pPr lvl="1" fontAlgn="base"/>
-            <a:r>
-              <a:rPr lang="en-US" dirty="0"/>
-              <a:t>Texturing </a:t>
-            </a:r>
-            <a:r>
-              <a:rPr lang="en-US" dirty="0" smtClean="0"/>
-              <a:t>done</a:t>
-            </a:r>
-          </a:p>
-          <a:p>
-            <a:pPr fontAlgn="base"/>
-            <a:r>
-              <a:rPr lang="en-US" dirty="0"/>
-              <a:t>November 29th</a:t>
-            </a:r>
-          </a:p>
-          <a:p>
-            <a:pPr lvl="1" fontAlgn="base"/>
-            <a:r>
-              <a:rPr lang="en-US" dirty="0"/>
-              <a:t>Playtesting conducted</a:t>
-            </a:r>
-          </a:p>
-          <a:p>
-            <a:pPr lvl="1" fontAlgn="base"/>
-            <a:r>
-              <a:rPr lang="en-US" dirty="0"/>
-              <a:t>Changes based on playtesting results planned (implementation started)</a:t>
-            </a:r>
-          </a:p>
-          <a:p>
-            <a:pPr fontAlgn="base"/>
-            <a:r>
-              <a:rPr lang="en-US" dirty="0"/>
-              <a:t>December 6th</a:t>
-            </a:r>
-          </a:p>
-          <a:p>
-            <a:pPr lvl="1" fontAlgn="base"/>
-            <a:r>
-              <a:rPr lang="en-US" dirty="0"/>
-              <a:t>Trailer fully refined (sounds, updated gameplay footage, titles, etc.)</a:t>
-            </a:r>
-          </a:p>
-          <a:p>
-            <a:pPr lvl="1" fontAlgn="base"/>
-            <a:r>
-              <a:rPr lang="en-US" dirty="0"/>
-              <a:t>Playtest changes implemented</a:t>
-            </a:r>
-          </a:p>
-          <a:p>
-            <a:pPr fontAlgn="base"/>
-            <a:r>
-              <a:rPr lang="en-US" dirty="0"/>
-              <a:t>December 13th</a:t>
-            </a:r>
-          </a:p>
-          <a:p>
-            <a:pPr lvl="1" fontAlgn="base"/>
-            <a:r>
-              <a:rPr lang="en-US" dirty="0"/>
-              <a:t>All the things done (posters, documents, etc.)</a:t>
-            </a:r>
-          </a:p>
-          <a:p>
-            <a:pPr lvl="1" fontAlgn="base"/>
-            <a:r>
-              <a:rPr lang="en-US" dirty="0"/>
-              <a:t>Final version built and ready for demo (also project saved to USB drive)</a:t>
-            </a:r>
-          </a:p>
-          <a:p>
-            <a:pPr lvl="1" fontAlgn="base"/>
-            <a:endParaRPr lang="en-US" dirty="0"/>
-          </a:p>
-        </p:txBody>
-      </p:sp>
-    </p:spTree>
-    <p:extLst>
-      <p:ext uri="{BB962C8B-B14F-4D97-AF65-F5344CB8AC3E}">
-        <p14:creationId xmlns:p14="http://schemas.microsoft.com/office/powerpoint/2010/main" val="2987369361"/>
-      </p:ext>
-    </p:extLst>
-  </p:cSld>
-  <p:clrMapOvr>
-    <a:masterClrMapping/>
-  </p:clrMapOvr>
-  <p:timing>
-    <p:tnLst>
-      <p:par>
-        <p:cTn id="1" dur="indefinite" restart="never" nodeType="tmRoot"/>
-      </p:par>
-    </p:tnLst>
-  </p:timing>
-</p:sld>
-</file>
-
-<file path=ppt/slides/slide8.xml><?xml version="1.0" encoding="utf-8"?>
-<p:sld xmlns:a="http://schemas.openxmlformats.org/drawingml/2006/main" xmlns:r="http://schemas.openxmlformats.org/officeDocument/2006/relationships" xmlns:p="http://schemas.openxmlformats.org/presentationml/2006/main">
-  <p:cSld>
-    <p:spTree>
-      <p:nvGrpSpPr>
-        <p:cNvPr id="1" name=""/>
-        <p:cNvGrpSpPr/>
-        <p:nvPr/>
-      </p:nvGrpSpPr>
-      <p:grpSpPr>
-        <a:xfrm>
-          <a:off x="0" y="0"/>
-          <a:ext cx="0" cy="0"/>
-          <a:chOff x="0" y="0"/>
-          <a:chExt cx="0" cy="0"/>
-        </a:xfrm>
-      </p:grpSpPr>
-      <p:sp>
-        <p:nvSpPr>
-          <p:cNvPr id="2" name="Title 1"/>
-          <p:cNvSpPr>
-            <a:spLocks noGrp="1"/>
-          </p:cNvSpPr>
-          <p:nvPr>
-            <p:ph type="title"/>
-          </p:nvPr>
-        </p:nvSpPr>
-        <p:spPr/>
-        <p:txBody>
-          <a:bodyPr/>
-          <a:lstStyle/>
-          <a:p>
-            <a:r>
-              <a:rPr lang="en-US" dirty="0" smtClean="0"/>
-              <a:t>Engines, APIs, etc.</a:t>
-            </a:r>
-            <a:endParaRPr lang="en-US" dirty="0"/>
-          </a:p>
-        </p:txBody>
-      </p:sp>
-      <p:sp>
-        <p:nvSpPr>
-          <p:cNvPr id="3" name="Content Placeholder 2"/>
-          <p:cNvSpPr>
-            <a:spLocks noGrp="1"/>
-          </p:cNvSpPr>
-          <p:nvPr>
-            <p:ph idx="1"/>
-          </p:nvPr>
-        </p:nvSpPr>
-        <p:spPr/>
-        <p:txBody>
-          <a:bodyPr/>
-          <a:lstStyle/>
-          <a:p>
-            <a:pPr fontAlgn="base"/>
-            <a:r>
-              <a:rPr lang="en-US" dirty="0"/>
-              <a:t>Unreal Engine </a:t>
-            </a:r>
-            <a:r>
-              <a:rPr lang="en-US" dirty="0" smtClean="0"/>
-              <a:t>4.17.2 (4.18 if easily portable)</a:t>
-            </a:r>
-            <a:endParaRPr lang="en-US" dirty="0"/>
-          </a:p>
-          <a:p>
-            <a:pPr fontAlgn="base"/>
-            <a:r>
-              <a:rPr lang="en-US" dirty="0"/>
-              <a:t>Autodesk Maya 2018</a:t>
-            </a:r>
-          </a:p>
-          <a:p>
-            <a:pPr fontAlgn="base"/>
-            <a:r>
-              <a:rPr lang="en-US" dirty="0"/>
-              <a:t>Substance Painter</a:t>
-            </a:r>
-          </a:p>
-          <a:p>
-            <a:pPr fontAlgn="base"/>
-            <a:r>
-              <a:rPr lang="en-US" dirty="0"/>
-              <a:t>HTC Vive (full setup</a:t>
-            </a:r>
-            <a:r>
-              <a:rPr lang="en-US" dirty="0" smtClean="0"/>
-              <a:t>)</a:t>
-            </a:r>
-            <a:endParaRPr lang="en-US" dirty="0"/>
-          </a:p>
-        </p:txBody>
-      </p:sp>
-    </p:spTree>
-    <p:extLst>
-      <p:ext uri="{BB962C8B-B14F-4D97-AF65-F5344CB8AC3E}">
-        <p14:creationId xmlns:p14="http://schemas.microsoft.com/office/powerpoint/2010/main" val="3069160676"/>
-      </p:ext>
-    </p:extLst>
-  </p:cSld>
-  <p:clrMapOvr>
-    <a:masterClrMapping/>
-  </p:clrMapOvr>
-  <p:timing>
-    <p:tnLst>
-      <p:par>
-        <p:cTn id="1" dur="indefinite" restart="never" nodeType="tmRoot"/>
-      </p:par>
-    </p:tnLst>
-  </p:timing>
 </p:sld>
 </file>
 
